--- a/docs/11.15/out.pptx
+++ b/docs/11.15/out.pptx
@@ -5,12 +5,12 @@
     <p:sldMasterId id="2147483648" r:id="rId1"/>
   </p:sldMasterIdLst>
   <p:sldIdLst>
-    <p:sldId r:id="rId7" id="256"/>
-    <p:sldId r:id="rId8" id="257"/>
-    <p:sldId r:id="rId9" id="258"/>
-    <p:sldId r:id="rId10" id="259"/>
-    <p:sldId r:id="rId11" id="260"/>
-    <p:sldId r:id="rId12" id="261"/>
+    <p:sldId id="256" r:id="rId7"/>
+    <p:sldId id="257" r:id="rId8"/>
+    <p:sldId id="258" r:id="rId9"/>
+    <p:sldId id="259" r:id="rId10"/>
+    <p:sldId id="260" r:id="rId11"/>
+    <p:sldId id="261" r:id="rId12"/>
   </p:sldIdLst>
   <p:sldSz cx="9144000" cy="6858000" type="screen4x3"/>
   <p:notesSz cx="6858000" cy="9144000"/>
@@ -3165,7 +3165,7 @@
           <a:lstStyle/>
           <a:p>
             <a:r>
-              <a:t>Markdown</a:t>
+              <a:t>구성</a:t>
             </a:r>
           </a:p>
         </p:txBody>
@@ -3187,6 +3187,30 @@
           <a:p/>
         </p:txBody>
       </p:sp>
+      <p:pic>
+        <p:nvPicPr>
+          <p:cNvPr id="4" name="Picture 3" descr="ppt_slide.png"/>
+          <p:cNvPicPr>
+            <a:picLocks noChangeAspect="1"/>
+          </p:cNvPicPr>
+          <p:nvPr/>
+        </p:nvPicPr>
+        <p:blipFill>
+          <a:blip r:embed="rId2"/>
+          <a:stretch>
+            <a:fillRect/>
+          </a:stretch>
+        </p:blipFill>
+        <p:spPr>
+          <a:xfrm>
+            <a:off x="21" y="20"/>
+            <a:ext cx="3048000" cy="1498600"/>
+          </a:xfrm>
+          <a:prstGeom prst="rect">
+            <a:avLst/>
+          </a:prstGeom>
+        </p:spPr>
+      </p:pic>
     </p:spTree>
   </p:cSld>
   <p:clrMapOvr>
@@ -3221,7 +3245,7 @@
           <a:lstStyle/>
           <a:p>
             <a:r>
-              <a:t>구성</a:t>
+              <a:t>Office Open XML</a:t>
             </a:r>
           </a:p>
         </p:txBody>
@@ -3241,6 +3265,44 @@
           <a:bodyPr/>
           <a:lstStyle/>
           <a:p/>
+          <a:p>
+            <a:pPr/>
+            <a:r>
+              <a:t>MicroSoft에서 추진한 XML기반 국제 표준 문서규격</a:t>
+            </a:r>
+          </a:p>
+          <a:p>
+            <a:pPr/>
+            <a:r>
+              <a:t>자사 office 프로그램에 활용됨</a:t>
+            </a:r>
+          </a:p>
+          <a:p>
+            <a:pPr/>
+            <a:r>
+              <a:t>library</a:t>
+            </a:r>
+          </a:p>
+          <a:p>
+            <a:pPr lvl="1"/>
+            <a:r>
+              <a:t>Openxmllib</a:t>
+            </a:r>
+            <a:br/>
+            <a:r>
+              <a:t> python 2.7기반 라이브러리, MS Office 2007,OpenOffice 2.2 지원</a:t>
+            </a:r>
+          </a:p>
+          <a:p>
+            <a:pPr lvl="1"/>
+            <a:r>
+              <a:t>Open XML SDK</a:t>
+            </a:r>
+            <a:br/>
+            <a:r>
+              <a:t> MicroSoft에서 공식 제공하는 C#기반 라이브러리, 최신버전 지원</a:t>
+            </a:r>
+          </a:p>
         </p:txBody>
       </p:sp>
     </p:spTree>
@@ -3277,7 +3339,7 @@
           <a:lstStyle/>
           <a:p>
             <a:r>
-              <a:t>Office Open XML</a:t>
+              <a:t>Markdown</a:t>
             </a:r>
           </a:p>
         </p:txBody>
@@ -3297,6 +3359,60 @@
           <a:bodyPr/>
           <a:lstStyle/>
           <a:p/>
+          <a:p>
+            <a:pPr/>
+            <a:r>
+              <a:t>lv1</a:t>
+            </a:r>
+          </a:p>
+          <a:p>
+            <a:pPr lvl="1"/>
+            <a:r>
+              <a:t>lv2</a:t>
+            </a:r>
+          </a:p>
+          <a:p>
+            <a:pPr lvl="1"/>
+            <a:r>
+              <a:t>lv2</a:t>
+            </a:r>
+          </a:p>
+          <a:p>
+            <a:pPr lvl="1"/>
+            <a:r>
+              <a:t>or1</a:t>
+            </a:r>
+          </a:p>
+          <a:p>
+            <a:pPr lvl="1"/>
+            <a:r>
+              <a:t>or2</a:t>
+            </a:r>
+          </a:p>
+          <a:p>
+            <a:pPr lvl="1"/>
+            <a:r>
+              <a:t>or3 </a:t>
+            </a:r>
+          </a:p>
+          <a:p>
+            <a:pPr/>
+            <a:r>
+              <a:t>asd</a:t>
+            </a:r>
+          </a:p>
+          <a:p>
+            <a:pPr/>
+            <a:r>
+              <a:t>123</a:t>
+            </a:r>
+          </a:p>
+          <a:p>
+            <a:pPr/>
+            <a:r>
+              <a:t>123</a:t>
+            </a:r>
+          </a:p>
         </p:txBody>
       </p:sp>
     </p:spTree>
@@ -3353,6 +3469,78 @@
           <a:bodyPr/>
           <a:lstStyle/>
           <a:p/>
+          <a:p>
+            <a:pPr/>
+            <a:r>
+              <a:t>Basic</a:t>
+            </a:r>
+          </a:p>
+          <a:p>
+            <a:pPr lvl="1"/>
+            <a:r>
+              <a:t>제목</a:t>
+            </a:r>
+          </a:p>
+          <a:p>
+            <a:pPr lvl="1"/>
+            <a:r>
+              <a:t>Listing</a:t>
+            </a:r>
+          </a:p>
+          <a:p>
+            <a:pPr lvl="1"/>
+            <a:r>
+              <a:t>Image embed</a:t>
+            </a:r>
+          </a:p>
+          <a:p>
+            <a:pPr lvl="1"/>
+            <a:r>
+              <a:t>Template(.CSS)</a:t>
+            </a:r>
+          </a:p>
+          <a:p>
+            <a:pPr/>
+            <a:r>
+              <a:t>Advance I</a:t>
+            </a:r>
+          </a:p>
+          <a:p>
+            <a:pPr lvl="1"/>
+            <a:r>
+              <a:t>표그리기</a:t>
+            </a:r>
+          </a:p>
+          <a:p>
+            <a:pPr lvl="1"/>
+            <a:r>
+              <a:t>Language Syntax 표현</a:t>
+            </a:r>
+          </a:p>
+          <a:p>
+            <a:pPr/>
+            <a:r>
+              <a:t>Advance II</a:t>
+            </a:r>
+          </a:p>
+          <a:p>
+            <a:pPr lvl="1"/>
+            <a:r>
+              <a:t>Chart 표기</a:t>
+            </a:r>
+          </a:p>
+          <a:p>
+            <a:pPr lvl="1"/>
+            <a:r>
+              <a:t>Video embed</a:t>
+            </a:r>
+          </a:p>
+          <a:p>
+            <a:pPr lvl="1"/>
+            <a:r>
+              <a:t>Slide Animation</a:t>
+            </a:r>
+          </a:p>
         </p:txBody>
       </p:sp>
     </p:spTree>
@@ -3409,6 +3597,37 @@
           <a:bodyPr/>
           <a:lstStyle/>
           <a:p/>
+          <a:p>
+            <a:pPr/>
+            <a:r>
+              <a:t>프레젠테이션의 내용을 온전히 일반 택스트화 할수있다.</a:t>
+            </a:r>
+          </a:p>
+          <a:p>
+            <a:pPr lvl="1"/>
+            <a:r>
+              <a:t>오피스 프로그램 없이도 문서의 내용을 파악가능</a:t>
+            </a:r>
+          </a:p>
+          <a:p>
+            <a:pPr lvl="1"/>
+            <a:r>
+              <a:t>일반적인 기술문서 &lt;-&gt; PPT간 변환이 쉬워짐</a:t>
+            </a:r>
+          </a:p>
+          <a:p>
+            <a:pPr lvl="1"/>
+            <a:r>
+              <a:t>개발에 주로쓰이는 관리시스템(SVN, git..)들과 연동하여 변경사항 추적이 쉬워짐</a:t>
+            </a:r>
+            <a:br/>
+          </a:p>
+          <a:p>
+            <a:pPr/>
+            <a:r>
+              <a:t>기존 Markdown 사용자층을 끌어들일수 있을것으로 기대</a:t>
+            </a:r>
+          </a:p>
         </p:txBody>
       </p:sp>
     </p:spTree>
